--- a/research/poster/Grad_Poster.pptx
+++ b/research/poster/Grad_Poster.pptx
@@ -5058,22 +5058,6 @@
 <file path=ppt/slides/slide1.xml><?xml version="1.0" encoding="utf-8"?>
 <p:sld xmlns:a="http://schemas.openxmlformats.org/drawingml/2006/main" xmlns:r="http://schemas.openxmlformats.org/officeDocument/2006/relationships" xmlns:p="http://schemas.openxmlformats.org/presentationml/2006/main">
   <p:cSld>
-    <p:bg>
-      <p:bgPr>
-        <a:gradFill rotWithShape="0">
-          <a:gsLst>
-            <a:gs pos="0">
-              <a:srgbClr val="FFFFFF"/>
-            </a:gs>
-            <a:gs pos="100000">
-              <a:srgbClr val="1482A5"/>
-            </a:gs>
-          </a:gsLst>
-          <a:lin ang="5400000" scaled="1"/>
-        </a:gradFill>
-        <a:effectLst/>
-      </p:bgPr>
-    </p:bg>
     <p:spTree>
       <p:nvGrpSpPr>
         <p:cNvPr id="1" name=""/>
@@ -5334,22 +5318,13 @@
               <a:t> </a:t>
             </a:r>
             <a:r>
-              <a:rPr lang="en-US" sz="4800" i="0" u="none" strike="noStrike" baseline="0" dirty="0" err="1">
+              <a:rPr lang="en-US" sz="4800" i="0" u="none" strike="noStrike" baseline="0" dirty="0">
                 <a:solidFill>
                   <a:srgbClr val="235078"/>
                 </a:solidFill>
                 <a:latin typeface="+mj-lt"/>
               </a:rPr>
-              <a:t>Mohand</a:t>
-            </a:r>
-            <a:r>
-              <a:rPr lang="en-US" sz="4800" i="0" u="none" strike="noStrike" baseline="0" dirty="0">
-                <a:solidFill>
-                  <a:srgbClr val="235078"/>
-                </a:solidFill>
-                <a:latin typeface="+mj-lt"/>
-              </a:rPr>
-              <a:t> Al-Rasheed, </a:t>
+              <a:t>Mohand Alrasheed, </a:t>
             </a:r>
             <a:r>
               <a:rPr lang="en-US" sz="4800" b="0" i="0" u="none" strike="noStrike" baseline="0" dirty="0">
@@ -5474,7 +5449,7 @@
         <p:spPr>
           <a:xfrm>
             <a:off x="762000" y="5300938"/>
-            <a:ext cx="9961685" cy="6052862"/>
+            <a:ext cx="9961685" cy="6462566"/>
           </a:xfrm>
           <a:prstGeom prst="rect">
             <a:avLst/>
@@ -5531,8 +5506,8 @@
         </p:nvSpPr>
         <p:spPr>
           <a:xfrm>
-            <a:off x="22194715" y="5334000"/>
-            <a:ext cx="9961685" cy="14358385"/>
+            <a:off x="22156614" y="5427115"/>
+            <a:ext cx="9961685" cy="14717454"/>
           </a:xfrm>
           <a:prstGeom prst="rect">
             <a:avLst/>
@@ -5587,8 +5562,8 @@
         </p:nvSpPr>
         <p:spPr>
           <a:xfrm>
-            <a:off x="761999" y="11844481"/>
-            <a:ext cx="9961685" cy="13805395"/>
+            <a:off x="761999" y="12071993"/>
+            <a:ext cx="9961685" cy="13455007"/>
           </a:xfrm>
           <a:prstGeom prst="rect">
             <a:avLst/>
@@ -5643,8 +5618,8 @@
         </p:nvSpPr>
         <p:spPr>
           <a:xfrm>
-            <a:off x="11478358" y="11763503"/>
-            <a:ext cx="9961685" cy="15062294"/>
+            <a:off x="11478358" y="13247120"/>
+            <a:ext cx="9961685" cy="14448219"/>
           </a:xfrm>
           <a:prstGeom prst="rect">
             <a:avLst/>
@@ -5700,7 +5675,7 @@
         <p:spPr>
           <a:xfrm>
             <a:off x="11478358" y="5353518"/>
-            <a:ext cx="9961685" cy="6000282"/>
+            <a:ext cx="9961685" cy="7560942"/>
           </a:xfrm>
           <a:prstGeom prst="rect">
             <a:avLst/>
@@ -5755,8 +5730,8 @@
         </p:nvSpPr>
         <p:spPr>
           <a:xfrm>
-            <a:off x="1026500" y="6073004"/>
-            <a:ext cx="9508881" cy="5324535"/>
+            <a:off x="1026500" y="6365323"/>
+            <a:ext cx="9508881" cy="5478423"/>
           </a:xfrm>
           <a:prstGeom prst="rect">
             <a:avLst/>
@@ -5786,7 +5761,7 @@
                 <a:ea typeface="Open Sans" panose="020B0606030504020204" pitchFamily="34" charset="0"/>
                 <a:cs typeface="Open Sans" panose="020B0606030504020204" pitchFamily="34" charset="0"/>
               </a:rPr>
-              <a:t> The Arabic language is one of the oldest languages widely used today, and as a result of that, many Arabic speaking regions have formed dialects exclusive to their own. For example, many countries surrounding the Arabic Gulf have formed a dialect different to countries in the Levantine region. We intend on identifying and systematically determining the dialect of a piece of text</a:t>
+              <a:t>The Arabic language is one of the oldest languages widely used today, and as a result of that, many Arabic speaking regions have formed dialects exclusive to their own, for example, many countries surrounding the Arabic Gulf have formed a dialect different to countries in the Levantine region. We intend on identifying and systematically determining the dialect of a piece of text.</a:t>
             </a:r>
           </a:p>
         </p:txBody>
@@ -5805,7 +5780,7 @@
         </p:nvSpPr>
         <p:spPr>
           <a:xfrm>
-            <a:off x="1026500" y="5247918"/>
+            <a:off x="1026500" y="5424811"/>
             <a:ext cx="9508881" cy="923330"/>
           </a:xfrm>
           <a:prstGeom prst="rect">
@@ -5849,8 +5824,8 @@
         </p:nvSpPr>
         <p:spPr>
           <a:xfrm>
-            <a:off x="11497408" y="27153932"/>
-            <a:ext cx="20658991" cy="5403161"/>
+            <a:off x="11497408" y="28027999"/>
+            <a:ext cx="20658991" cy="4529094"/>
           </a:xfrm>
           <a:prstGeom prst="rect">
             <a:avLst/>
@@ -5905,7 +5880,7 @@
         </p:nvSpPr>
         <p:spPr>
           <a:xfrm>
-            <a:off x="11685708" y="28523130"/>
+            <a:off x="11647608" y="28951329"/>
             <a:ext cx="19861093" cy="3416320"/>
           </a:xfrm>
           <a:prstGeom prst="rect">
@@ -6183,7 +6158,7 @@
         </p:nvSpPr>
         <p:spPr>
           <a:xfrm>
-            <a:off x="11685708" y="27271665"/>
+            <a:off x="11647608" y="28027999"/>
             <a:ext cx="9508881" cy="923330"/>
           </a:xfrm>
           <a:prstGeom prst="rect">
@@ -6234,7 +6209,7 @@
         </p:nvSpPr>
         <p:spPr>
           <a:xfrm>
-            <a:off x="1064600" y="13150219"/>
+            <a:off x="988400" y="13247121"/>
             <a:ext cx="9508881" cy="12480340"/>
           </a:xfrm>
           <a:prstGeom prst="rect">
@@ -6254,7 +6229,7 @@
           <a:p>
             <a:pPr algn="just"/>
             <a:r>
-              <a:rPr lang="en-US" sz="3500" dirty="0">
+              <a:rPr lang="en-US" sz="3400" dirty="0">
                 <a:solidFill>
                   <a:schemeClr val="tx1">
                     <a:lumMod val="75000"/>
@@ -6265,34 +6240,50 @@
                 <a:ea typeface="Open Sans" panose="020B0606030504020204" pitchFamily="34" charset="0"/>
                 <a:cs typeface="Open Sans" panose="020B0606030504020204" pitchFamily="34" charset="0"/>
               </a:rPr>
-              <a:t>A dialect is the variation of a language in grammar, pronunciation and vocabulary. Every individual has their own way of talking that is affected by dialect, accent, background and many other factors[1]. The Arabic language has a variety of dialects throughout the Arabic world, dialects could differ not only across countries but also in the same country or even city.</a:t>
-            </a:r>
-            <a:r>
-              <a:rPr lang="en-US" sz="3500" b="0" i="0" u="none" strike="noStrike" baseline="0" dirty="0">
+              <a:t>A dialect is the variation of a language in grammar, pronunciation and vocabulary. Every individual has their own way of talking that is affected by dialect, accent, background and many other factors[1]. </a:t>
+            </a:r>
+            <a:endParaRPr lang="ar-SA" sz="3400" dirty="0">
+              <a:solidFill>
+                <a:schemeClr val="tx1">
+                  <a:lumMod val="75000"/>
+                  <a:lumOff val="25000"/>
+                </a:schemeClr>
+              </a:solidFill>
+              <a:latin typeface="Montserrat Light" panose="00000400000000000000" pitchFamily="2" charset="0"/>
+              <a:ea typeface="Open Sans" panose="020B0606030504020204" pitchFamily="34" charset="0"/>
+              <a:cs typeface="Open Sans" panose="020B0606030504020204" pitchFamily="34" charset="0"/>
+            </a:endParaRPr>
+          </a:p>
+          <a:p>
+            <a:pPr algn="just"/>
+            <a:r>
+              <a:rPr lang="en-US" sz="3400" dirty="0">
                 <a:solidFill>
                   <a:schemeClr val="tx1">
                     <a:lumMod val="75000"/>
                     <a:lumOff val="25000"/>
                   </a:schemeClr>
                 </a:solidFill>
-                <a:latin typeface="URWPalladioL-Roma"/>
+                <a:latin typeface="Montserrat Light" panose="00000400000000000000" pitchFamily="2" charset="0"/>
+                <a:ea typeface="Open Sans" panose="020B0606030504020204" pitchFamily="34" charset="0"/>
+                <a:cs typeface="Open Sans" panose="020B0606030504020204" pitchFamily="34" charset="0"/>
               </a:rPr>
-              <a:t> </a:t>
-            </a:r>
-            <a:r>
-              <a:rPr lang="en-US" sz="3500" b="0" i="0" u="none" strike="noStrike" baseline="0" dirty="0">
+              <a:t>The Arabic language has a variety of dialects throughout the Arabic world, dialects could differ not only across countries but also in the same country or even city.</a:t>
+            </a:r>
+            <a:r>
+              <a:rPr lang="en-US" sz="3400" b="0" i="0" u="none" strike="noStrike" baseline="0" dirty="0">
                 <a:solidFill>
                   <a:schemeClr val="tx1">
                     <a:lumMod val="75000"/>
                     <a:lumOff val="25000"/>
                   </a:schemeClr>
                 </a:solidFill>
-                <a:latin typeface="Montserrat Light" panose="00000400000000000000" pitchFamily="2" charset="0"/>
+                <a:latin typeface="URWPalladioL-Roma"/>
               </a:rPr>
-              <a:t>Arabic dialects differ from one another </a:t>
-            </a:r>
-            <a:r>
-              <a:rPr lang="en-US" sz="3500" b="0" i="0" u="none" strike="noStrike" baseline="0" dirty="0" err="1">
+              <a:t> </a:t>
+            </a:r>
+            <a:r>
+              <a:rPr lang="en-US" sz="3400" b="0" i="0" u="none" strike="noStrike" baseline="0" dirty="0">
                 <a:solidFill>
                   <a:schemeClr val="tx1">
                     <a:lumMod val="75000"/>
@@ -6301,22 +6292,10 @@
                 </a:solidFill>
                 <a:latin typeface="Montserrat Light" panose="00000400000000000000" pitchFamily="2" charset="0"/>
               </a:rPr>
-              <a:t>inpronunciation</a:t>
-            </a:r>
-            <a:r>
-              <a:rPr lang="en-US" sz="3500" b="0" i="0" u="none" strike="noStrike" baseline="0" dirty="0">
-                <a:solidFill>
-                  <a:schemeClr val="tx1">
-                    <a:lumMod val="75000"/>
-                    <a:lumOff val="25000"/>
-                  </a:schemeClr>
-                </a:solidFill>
-                <a:latin typeface="Montserrat Light" panose="00000400000000000000" pitchFamily="2" charset="0"/>
-              </a:rPr>
-              <a:t> and vocabulary, different dialects have different words or different variations of a word that could refer to the same meaning. </a:t>
-            </a:r>
-            <a:r>
-              <a:rPr lang="en-US" sz="3500" dirty="0">
+              <a:t>Arabic dialects differ from one another in pronunciation and vocabulary, different dialects have different words or different variations of a word that could refer to the same meaning. </a:t>
+            </a:r>
+            <a:r>
+              <a:rPr lang="en-US" sz="3400" dirty="0">
                 <a:solidFill>
                   <a:schemeClr val="tx1">
                     <a:lumMod val="75000"/>
@@ -6346,7 +6325,7 @@
         </p:nvSpPr>
         <p:spPr>
           <a:xfrm>
-            <a:off x="865676" y="12146218"/>
+            <a:off x="988400" y="12260504"/>
             <a:ext cx="9508881" cy="923330"/>
           </a:xfrm>
           <a:prstGeom prst="rect">
@@ -6398,7 +6377,7 @@
         <p:spPr>
           <a:xfrm>
             <a:off x="11704758" y="6496826"/>
-            <a:ext cx="9508881" cy="4524315"/>
+            <a:ext cx="9508881" cy="6247864"/>
           </a:xfrm>
           <a:prstGeom prst="rect">
             <a:avLst/>
@@ -6417,7 +6396,7 @@
           <a:p>
             <a:pPr algn="just"/>
             <a:r>
-              <a:rPr lang="en-US" sz="3600" dirty="0">
+              <a:rPr lang="en-US" sz="4000" dirty="0">
                 <a:solidFill>
                   <a:schemeClr val="tx1">
                     <a:lumMod val="75000"/>
@@ -6434,7 +6413,7 @@
           <a:p>
             <a:pPr algn="just"/>
             <a:r>
-              <a:rPr lang="en-US" sz="3600" dirty="0">
+              <a:rPr lang="en-US" sz="4000" dirty="0">
                 <a:solidFill>
                   <a:schemeClr val="tx1">
                     <a:lumMod val="75000"/>
@@ -6464,7 +6443,7 @@
         </p:nvSpPr>
         <p:spPr>
           <a:xfrm>
-            <a:off x="11704760" y="5634291"/>
+            <a:off x="11704758" y="5528181"/>
             <a:ext cx="9508881" cy="923330"/>
           </a:xfrm>
           <a:prstGeom prst="rect">
@@ -6515,8 +6494,8 @@
         </p:nvSpPr>
         <p:spPr>
           <a:xfrm>
-            <a:off x="11704758" y="12848789"/>
-            <a:ext cx="9508881" cy="13557558"/>
+            <a:off x="11596474" y="14687049"/>
+            <a:ext cx="9508881" cy="12957393"/>
           </a:xfrm>
           <a:prstGeom prst="rect">
             <a:avLst/>
@@ -6535,7 +6514,7 @@
           <a:p>
             <a:pPr algn="just"/>
             <a:r>
-              <a:rPr lang="en-US" sz="3500" dirty="0">
+              <a:rPr lang="en-US" sz="3800" dirty="0">
                 <a:solidFill>
                   <a:schemeClr val="tx1">
                     <a:lumMod val="75000"/>
@@ -6546,13 +6525,41 @@
                 <a:ea typeface="Open Sans" panose="020B0606030504020204" pitchFamily="34" charset="0"/>
                 <a:cs typeface="Open Sans" panose="020B0606030504020204" pitchFamily="34" charset="0"/>
               </a:rPr>
-              <a:t>In this research we’ll be using the Social Media Arabic Dialect Corpus (SMADC) dataset. SMADC’s corpus is collected from three different sources, Facebook, Twitter and online newspapers. </a:t>
+              <a:t>In this research we’ll be using the Social Media Arabic Dialect Corpus (</a:t>
+            </a:r>
+            <a:r>
+              <a:rPr lang="en-US" sz="3800" i="1" dirty="0">
+                <a:solidFill>
+                  <a:schemeClr val="tx1">
+                    <a:lumMod val="75000"/>
+                    <a:lumOff val="25000"/>
+                  </a:schemeClr>
+                </a:solidFill>
+                <a:latin typeface="Montserrat Light" panose="00000400000000000000" pitchFamily="50" charset="0"/>
+                <a:ea typeface="Open Sans" panose="020B0606030504020204" pitchFamily="34" charset="0"/>
+                <a:cs typeface="Open Sans" panose="020B0606030504020204" pitchFamily="34" charset="0"/>
+              </a:rPr>
+              <a:t>SMADC</a:t>
+            </a:r>
+            <a:r>
+              <a:rPr lang="en-US" sz="3800" dirty="0">
+                <a:solidFill>
+                  <a:schemeClr val="tx1">
+                    <a:lumMod val="75000"/>
+                    <a:lumOff val="25000"/>
+                  </a:schemeClr>
+                </a:solidFill>
+                <a:latin typeface="Montserrat Light" panose="00000400000000000000" pitchFamily="50" charset="0"/>
+                <a:ea typeface="Open Sans" panose="020B0606030504020204" pitchFamily="34" charset="0"/>
+                <a:cs typeface="Open Sans" panose="020B0606030504020204" pitchFamily="34" charset="0"/>
+              </a:rPr>
+              <a:t>) dataset. SMADC’s corpus is collected from three different sources, Facebook, Twitter and online newspapers. </a:t>
             </a:r>
           </a:p>
           <a:p>
             <a:pPr algn="just"/>
             <a:r>
-              <a:rPr lang="en-US" sz="3500" dirty="0">
+              <a:rPr lang="en-US" sz="3800" dirty="0">
                 <a:solidFill>
                   <a:schemeClr val="tx1">
                     <a:lumMod val="75000"/>
@@ -6566,7 +6573,7 @@
               <a:t>The researchers filtered Facebook and Twitter documents automatically by removing hashtags, </a:t>
             </a:r>
             <a:r>
-              <a:rPr lang="en-US" sz="3500" dirty="0" err="1">
+              <a:rPr lang="en-US" sz="3800" dirty="0" err="1">
                 <a:solidFill>
                   <a:schemeClr val="tx1">
                     <a:lumMod val="75000"/>
@@ -6580,7 +6587,7 @@
               <a:t>emojies</a:t>
             </a:r>
             <a:r>
-              <a:rPr lang="en-US" sz="3500" dirty="0">
+              <a:rPr lang="en-US" sz="3800" dirty="0">
                 <a:solidFill>
                   <a:schemeClr val="tx1">
                     <a:lumMod val="75000"/>
@@ -6591,10 +6598,13 @@
                 <a:ea typeface="Open Sans" panose="020B0606030504020204" pitchFamily="34" charset="0"/>
                 <a:cs typeface="Open Sans" panose="020B0606030504020204" pitchFamily="34" charset="0"/>
               </a:rPr>
-              <a:t>, redundant characters and so </a:t>
-            </a:r>
-            <a:r>
-              <a:rPr lang="en-US" sz="3500">
+              <a:t>, redundant characters and so on.</a:t>
+            </a:r>
+          </a:p>
+          <a:p>
+            <a:pPr algn="just"/>
+            <a:r>
+              <a:rPr lang="en-US" sz="3800" dirty="0">
                 <a:solidFill>
                   <a:schemeClr val="tx1">
                     <a:lumMod val="75000"/>
@@ -6605,13 +6615,13 @@
                 <a:ea typeface="Open Sans" panose="020B0606030504020204" pitchFamily="34" charset="0"/>
                 <a:cs typeface="Open Sans" panose="020B0606030504020204" pitchFamily="34" charset="0"/>
               </a:rPr>
-              <a:t>on.</a:t>
+              <a:t>They also started filtering the noises in their dataset, such as writing a nationality that conflicts with the label, non-Arabic characters, etc. [2]</a:t>
             </a:r>
           </a:p>
           <a:p>
             <a:pPr algn="just"/>
             <a:r>
-              <a:rPr lang="en-US" sz="3500">
+              <a:rPr lang="en-US" sz="3800" dirty="0">
                 <a:solidFill>
                   <a:schemeClr val="tx1">
                     <a:lumMod val="75000"/>
@@ -6622,21 +6632,7 @@
                 <a:ea typeface="Open Sans" panose="020B0606030504020204" pitchFamily="34" charset="0"/>
                 <a:cs typeface="Open Sans" panose="020B0606030504020204" pitchFamily="34" charset="0"/>
               </a:rPr>
-              <a:t> </a:t>
-            </a:r>
-            <a:r>
-              <a:rPr lang="en-US" sz="3500" dirty="0">
-                <a:solidFill>
-                  <a:schemeClr val="tx1">
-                    <a:lumMod val="75000"/>
-                    <a:lumOff val="25000"/>
-                  </a:schemeClr>
-                </a:solidFill>
-                <a:latin typeface="Montserrat Light" panose="00000400000000000000" pitchFamily="50" charset="0"/>
-                <a:ea typeface="Open Sans" panose="020B0606030504020204" pitchFamily="34" charset="0"/>
-                <a:cs typeface="Open Sans" panose="020B0606030504020204" pitchFamily="34" charset="0"/>
-              </a:rPr>
-              <a:t>They also found some difficulties making sure that their dataset is polished. They started filtering the noises of their dataset, to assure that it will improve the accuracy. Notable noises such as writing a nationality that conflicts with the label, non-Arabic characters, etc.[2] In their final records, SMADC dataset contained 1,088,578 documents. which consisted of 812,849 Facebook comments, 9,440 online newspaper comments, and 266,289  Twitter tweets[2]. And each one of them are distributed in the five labels (GLF, EGY, NOR, LEV and IRQ) The highest rate of the collected data was from Facebook comments.</a:t>
+              <a:t>In their final records, SMADC dataset contained 1,088,578 documents. which consisted of 812,849 Facebook comments, 9,440 online newspaper comments, and 266,289 tweets[2]. And each one of them is distributed by the five labels (GLF, EGY, NOR, LEV and IRQ).</a:t>
             </a:r>
           </a:p>
         </p:txBody>
@@ -6655,7 +6651,7 @@
         </p:nvSpPr>
         <p:spPr>
           <a:xfrm>
-            <a:off x="11704759" y="11844481"/>
+            <a:off x="11704758" y="13712821"/>
             <a:ext cx="9508881" cy="923330"/>
           </a:xfrm>
           <a:prstGeom prst="rect">
@@ -6709,8 +6705,8 @@
         </p:nvSpPr>
         <p:spPr>
           <a:xfrm>
-            <a:off x="22421117" y="6238348"/>
-            <a:ext cx="9508881" cy="13388280"/>
+            <a:off x="22363966" y="6448511"/>
+            <a:ext cx="9508881" cy="13696057"/>
           </a:xfrm>
           <a:prstGeom prst="rect">
             <a:avLst/>
@@ -6729,7 +6725,7 @@
           <a:p>
             <a:pPr algn="just"/>
             <a:r>
-              <a:rPr lang="en-US" sz="3200" dirty="0">
+              <a:rPr lang="en-US" sz="3400" dirty="0">
                 <a:solidFill>
                   <a:schemeClr val="tx1">
                     <a:lumMod val="75000"/>
@@ -6740,10 +6736,10 @@
                 <a:ea typeface="Open Sans" panose="020B0606030504020204" pitchFamily="34" charset="0"/>
                 <a:cs typeface="Open Sans" panose="020B0606030504020204" pitchFamily="34" charset="0"/>
               </a:rPr>
-              <a:t>We used preprocessing techniques that help in transforming the data to a </a:t>
-            </a:r>
-            <a:r>
-              <a:rPr lang="en-US" sz="3200" dirty="0" err="1">
+              <a:t>We used preprocessing techniques that help in transforming the data to a representation the model understands, like </a:t>
+            </a:r>
+            <a:r>
+              <a:rPr lang="en-US" sz="3400" i="1" dirty="0">
                 <a:solidFill>
                   <a:schemeClr val="tx1">
                     <a:lumMod val="75000"/>
@@ -6754,10 +6750,10 @@
                 <a:ea typeface="Open Sans" panose="020B0606030504020204" pitchFamily="34" charset="0"/>
                 <a:cs typeface="Open Sans" panose="020B0606030504020204" pitchFamily="34" charset="0"/>
               </a:rPr>
-              <a:t>represntation</a:t>
-            </a:r>
-            <a:r>
-              <a:rPr lang="en-US" sz="3200" dirty="0">
+              <a:t>tokenization</a:t>
+            </a:r>
+            <a:r>
+              <a:rPr lang="en-US" sz="3400" dirty="0">
                 <a:solidFill>
                   <a:schemeClr val="tx1">
                     <a:lumMod val="75000"/>
@@ -6768,13 +6764,10 @@
                 <a:ea typeface="Open Sans" panose="020B0606030504020204" pitchFamily="34" charset="0"/>
                 <a:cs typeface="Open Sans" panose="020B0606030504020204" pitchFamily="34" charset="0"/>
               </a:rPr>
-              <a:t> the model understands, like tokenization and segmentation.</a:t>
-            </a:r>
-          </a:p>
-          <a:p>
-            <a:pPr algn="just"/>
-            <a:r>
-              <a:rPr lang="en-US" sz="3200" dirty="0">
+              <a:t> and </a:t>
+            </a:r>
+            <a:r>
+              <a:rPr lang="en-US" sz="3400" i="1" dirty="0">
                 <a:solidFill>
                   <a:schemeClr val="tx1">
                     <a:lumMod val="75000"/>
@@ -6785,10 +6778,10 @@
                 <a:ea typeface="Open Sans" panose="020B0606030504020204" pitchFamily="34" charset="0"/>
                 <a:cs typeface="Open Sans" panose="020B0606030504020204" pitchFamily="34" charset="0"/>
               </a:rPr>
-              <a:t>Before tokenizing our dataset we will normalize Arabic diacritics such as </a:t>
-            </a:r>
-            <a:r>
-              <a:rPr lang="en-US" sz="3200" dirty="0" err="1">
+              <a:t>segmentation</a:t>
+            </a:r>
+            <a:r>
+              <a:rPr lang="en-US" sz="3400" dirty="0">
                 <a:solidFill>
                   <a:schemeClr val="tx1">
                     <a:lumMod val="75000"/>
@@ -6799,10 +6792,41 @@
                 <a:ea typeface="Open Sans" panose="020B0606030504020204" pitchFamily="34" charset="0"/>
                 <a:cs typeface="Open Sans" panose="020B0606030504020204" pitchFamily="34" charset="0"/>
               </a:rPr>
-              <a:t>fatha</a:t>
-            </a:r>
-            <a:r>
-              <a:rPr lang="en-US" sz="3200" dirty="0">
+              <a:t>.</a:t>
+            </a:r>
+          </a:p>
+          <a:p>
+            <a:pPr algn="just"/>
+            <a:r>
+              <a:rPr lang="en-US" sz="3400" dirty="0">
+                <a:solidFill>
+                  <a:schemeClr val="tx1">
+                    <a:lumMod val="75000"/>
+                    <a:lumOff val="25000"/>
+                  </a:schemeClr>
+                </a:solidFill>
+                <a:latin typeface="Montserrat Light" panose="00000400000000000000" pitchFamily="50" charset="0"/>
+                <a:ea typeface="Open Sans" panose="020B0606030504020204" pitchFamily="34" charset="0"/>
+                <a:cs typeface="Open Sans" panose="020B0606030504020204" pitchFamily="34" charset="0"/>
+              </a:rPr>
+              <a:t>Before tokenizing our dataset, we will normalize Arabic diacritics such as Fatha, </a:t>
+            </a:r>
+            <a:r>
+              <a:rPr lang="en-US" sz="3400" dirty="0" err="1">
+                <a:solidFill>
+                  <a:schemeClr val="tx1">
+                    <a:lumMod val="75000"/>
+                    <a:lumOff val="25000"/>
+                  </a:schemeClr>
+                </a:solidFill>
+                <a:latin typeface="Montserrat Light" panose="00000400000000000000" pitchFamily="50" charset="0"/>
+                <a:ea typeface="Open Sans" panose="020B0606030504020204" pitchFamily="34" charset="0"/>
+                <a:cs typeface="Open Sans" panose="020B0606030504020204" pitchFamily="34" charset="0"/>
+              </a:rPr>
+              <a:t>Damma</a:t>
+            </a:r>
+            <a:r>
+              <a:rPr lang="en-US" sz="3400" dirty="0">
                 <a:solidFill>
                   <a:schemeClr val="tx1">
                     <a:lumMod val="75000"/>
@@ -6816,7 +6840,7 @@
               <a:t>, </a:t>
             </a:r>
             <a:r>
-              <a:rPr lang="en-US" sz="3200" dirty="0" err="1">
+              <a:rPr lang="en-US" sz="3400" dirty="0" err="1">
                 <a:solidFill>
                   <a:schemeClr val="tx1">
                     <a:lumMod val="75000"/>
@@ -6827,10 +6851,10 @@
                 <a:ea typeface="Open Sans" panose="020B0606030504020204" pitchFamily="34" charset="0"/>
                 <a:cs typeface="Open Sans" panose="020B0606030504020204" pitchFamily="34" charset="0"/>
               </a:rPr>
-              <a:t>damma</a:t>
-            </a:r>
-            <a:r>
-              <a:rPr lang="en-US" sz="3200" dirty="0">
+              <a:t>Kasra</a:t>
+            </a:r>
+            <a:r>
+              <a:rPr lang="en-US" sz="3400" dirty="0">
                 <a:solidFill>
                   <a:schemeClr val="tx1">
                     <a:lumMod val="75000"/>
@@ -6841,10 +6865,13 @@
                 <a:ea typeface="Open Sans" panose="020B0606030504020204" pitchFamily="34" charset="0"/>
                 <a:cs typeface="Open Sans" panose="020B0606030504020204" pitchFamily="34" charset="0"/>
               </a:rPr>
-              <a:t>, </a:t>
-            </a:r>
-            <a:r>
-              <a:rPr lang="en-US" sz="3200" dirty="0" err="1">
+              <a:t> and so on. this should help the model group similar words, albeit lose a bit of accuracy.</a:t>
+            </a:r>
+          </a:p>
+          <a:p>
+            <a:pPr algn="just"/>
+            <a:r>
+              <a:rPr lang="en-US" sz="3400" dirty="0">
                 <a:solidFill>
                   <a:schemeClr val="tx1">
                     <a:lumMod val="75000"/>
@@ -6855,10 +6882,10 @@
                 <a:ea typeface="Open Sans" panose="020B0606030504020204" pitchFamily="34" charset="0"/>
                 <a:cs typeface="Open Sans" panose="020B0606030504020204" pitchFamily="34" charset="0"/>
               </a:rPr>
-              <a:t>kasra</a:t>
-            </a:r>
-            <a:r>
-              <a:rPr lang="en-US" sz="3200" dirty="0">
+              <a:t>Arabic word</a:t>
+            </a:r>
+            <a:r>
+              <a:rPr lang="en-US" sz="3400" b="1" dirty="0">
                 <a:solidFill>
                   <a:schemeClr val="tx1">
                     <a:lumMod val="75000"/>
@@ -6869,13 +6896,10 @@
                 <a:ea typeface="Open Sans" panose="020B0606030504020204" pitchFamily="34" charset="0"/>
                 <a:cs typeface="Open Sans" panose="020B0606030504020204" pitchFamily="34" charset="0"/>
               </a:rPr>
-              <a:t> and so on. this should helps the model group similar words, albeit lost a bit of accuracy.</a:t>
-            </a:r>
-          </a:p>
-          <a:p>
-            <a:pPr algn="just"/>
-            <a:r>
-              <a:rPr lang="en-US" sz="3200" dirty="0">
+              <a:t> </a:t>
+            </a:r>
+            <a:r>
+              <a:rPr lang="en-US" sz="3400" dirty="0">
                 <a:solidFill>
                   <a:schemeClr val="tx1">
                     <a:lumMod val="75000"/>
@@ -6886,13 +6910,10 @@
                 <a:ea typeface="Open Sans" panose="020B0606030504020204" pitchFamily="34" charset="0"/>
                 <a:cs typeface="Open Sans" panose="020B0606030504020204" pitchFamily="34" charset="0"/>
               </a:rPr>
-              <a:t>Word segmentation is a preprocessing step for many NLP tasks, especially when dealing with rich languages like Arabic. Arabic word segmentation works by separating the suffixes and prefixes attached to any given word, segmentation has shown to have significant impact in many NLP application such as context understanding, because it gives more information to the model.</a:t>
-            </a:r>
-          </a:p>
-          <a:p>
-            <a:pPr algn="just"/>
-            <a:r>
-              <a:rPr lang="en-US" sz="3200" dirty="0">
+              <a:t>segmentation</a:t>
+            </a:r>
+            <a:r>
+              <a:rPr lang="en-US" sz="3400" b="1" dirty="0">
                 <a:solidFill>
                   <a:schemeClr val="tx1">
                     <a:lumMod val="75000"/>
@@ -6903,7 +6924,52 @@
                 <a:ea typeface="Open Sans" panose="020B0606030504020204" pitchFamily="34" charset="0"/>
                 <a:cs typeface="Open Sans" panose="020B0606030504020204" pitchFamily="34" charset="0"/>
               </a:rPr>
-              <a:t>Tokenization is an essential task for NLP problems. We’ll be using tokenization to transform our dataset to be ready for model input. After applying normalization and segmentation on the data, we transform each token to a number, so if one token is repeated more than once then that token is transformed to the same number. This allows the model to understand the input.</a:t>
+              <a:t> </a:t>
+            </a:r>
+            <a:r>
+              <a:rPr lang="en-US" sz="3400" dirty="0">
+                <a:solidFill>
+                  <a:schemeClr val="tx1">
+                    <a:lumMod val="75000"/>
+                    <a:lumOff val="25000"/>
+                  </a:schemeClr>
+                </a:solidFill>
+                <a:latin typeface="Montserrat Light" panose="00000400000000000000" pitchFamily="50" charset="0"/>
+                <a:ea typeface="Open Sans" panose="020B0606030504020204" pitchFamily="34" charset="0"/>
+                <a:cs typeface="Open Sans" panose="020B0606030504020204" pitchFamily="34" charset="0"/>
+              </a:rPr>
+              <a:t>works by separating the suffixes and prefixes attached to any given word, segmentation has shown to have significant impact in many NLP application such as context understanding, because it gives more information to the model.</a:t>
+            </a:r>
+          </a:p>
+          <a:p>
+            <a:pPr algn="just"/>
+            <a:r>
+              <a:rPr lang="en-US" sz="3400" i="1" dirty="0">
+                <a:solidFill>
+                  <a:schemeClr val="tx1">
+                    <a:lumMod val="75000"/>
+                    <a:lumOff val="25000"/>
+                  </a:schemeClr>
+                </a:solidFill>
+                <a:latin typeface="Montserrat Light" panose="00000400000000000000" pitchFamily="50" charset="0"/>
+                <a:ea typeface="Open Sans" panose="020B0606030504020204" pitchFamily="34" charset="0"/>
+                <a:cs typeface="Open Sans" panose="020B0606030504020204" pitchFamily="34" charset="0"/>
+              </a:rPr>
+              <a:t>Tokenization</a:t>
+            </a:r>
+            <a:r>
+              <a:rPr lang="en-US" sz="3400" dirty="0">
+                <a:solidFill>
+                  <a:schemeClr val="tx1">
+                    <a:lumMod val="75000"/>
+                    <a:lumOff val="25000"/>
+                  </a:schemeClr>
+                </a:solidFill>
+                <a:latin typeface="Montserrat Light" panose="00000400000000000000" pitchFamily="50" charset="0"/>
+                <a:ea typeface="Open Sans" panose="020B0606030504020204" pitchFamily="34" charset="0"/>
+                <a:cs typeface="Open Sans" panose="020B0606030504020204" pitchFamily="34" charset="0"/>
+              </a:rPr>
+              <a:t> is an essential task for NLP problems. We’ll be using tokenization to transform our dataset to be ready for model input, after applying normalization and segmentation on the data we transform each token to a number, so if one token is repeated more than once then that token is transformed to the same number. This allows the model to understand the input.</a:t>
             </a:r>
           </a:p>
         </p:txBody>
@@ -6973,8 +7039,8 @@
         </p:nvSpPr>
         <p:spPr>
           <a:xfrm>
-            <a:off x="22194714" y="19945061"/>
-            <a:ext cx="9961685" cy="6880736"/>
+            <a:off x="22194716" y="20477227"/>
+            <a:ext cx="9961685" cy="7218113"/>
           </a:xfrm>
           <a:prstGeom prst="rect">
             <a:avLst/>
@@ -7029,7 +7095,7 @@
         </p:nvSpPr>
         <p:spPr>
           <a:xfrm>
-            <a:off x="22363965" y="20069311"/>
+            <a:off x="22363965" y="20708041"/>
             <a:ext cx="9508881" cy="923330"/>
           </a:xfrm>
           <a:prstGeom prst="rect">
@@ -7080,8 +7146,8 @@
         </p:nvSpPr>
         <p:spPr>
           <a:xfrm>
-            <a:off x="22402067" y="20992641"/>
-            <a:ext cx="9508881" cy="5555367"/>
+            <a:off x="22421119" y="21713700"/>
+            <a:ext cx="9508881" cy="6260175"/>
           </a:xfrm>
           <a:prstGeom prst="rect">
             <a:avLst/>
@@ -7100,7 +7166,7 @@
           <a:p>
             <a:pPr algn="just"/>
             <a:r>
-              <a:rPr lang="en-US" sz="3200" b="0" i="0" dirty="0">
+              <a:rPr lang="en-US" sz="3340" b="0" i="0" dirty="0">
                 <a:solidFill>
                   <a:schemeClr val="tx1">
                     <a:lumMod val="75000"/>
@@ -7113,7 +7179,7 @@
               <a:t>For the purposes of this research, we’ll use an existing implementation of BERT to solve our problem. We’ll be using an Arabic BERT model called </a:t>
             </a:r>
             <a:r>
-              <a:rPr lang="en-US" sz="3200" b="0" i="0" dirty="0" err="1">
+              <a:rPr lang="en-US" sz="3340" b="0" i="1" dirty="0" err="1">
                 <a:solidFill>
                   <a:schemeClr val="tx1">
                     <a:lumMod val="75000"/>
@@ -7126,7 +7192,7 @@
               <a:t>AraBERT</a:t>
             </a:r>
             <a:r>
-              <a:rPr lang="en-US" sz="3200" b="0" i="0" dirty="0">
+              <a:rPr lang="en-US" sz="3340" b="0" i="0" dirty="0">
                 <a:solidFill>
                   <a:schemeClr val="tx1">
                     <a:lumMod val="75000"/>
@@ -7136,10 +7202,13 @@
                 <a:effectLst/>
                 <a:latin typeface="Montserrat Light" panose="00000400000000000000" pitchFamily="2" charset="0"/>
               </a:rPr>
-              <a:t> and fine-tuning it to the problem we need to solve.[3] In order to use </a:t>
-            </a:r>
-            <a:r>
-              <a:rPr lang="en-US" sz="3200" b="0" i="0" dirty="0" err="1">
+              <a:t> and fine-tuning it to the problem we need to solve.[3] </a:t>
+            </a:r>
+          </a:p>
+          <a:p>
+            <a:pPr algn="just"/>
+            <a:r>
+              <a:rPr lang="en-US" sz="3340" b="0" i="0" dirty="0">
                 <a:solidFill>
                   <a:schemeClr val="tx1">
                     <a:lumMod val="75000"/>
@@ -7149,10 +7218,10 @@
                 <a:effectLst/>
                 <a:latin typeface="Montserrat Light" panose="00000400000000000000" pitchFamily="2" charset="0"/>
               </a:rPr>
-              <a:t>AraBERT</a:t>
-            </a:r>
-            <a:r>
-              <a:rPr lang="en-US" sz="3200" b="0" i="0" dirty="0">
+              <a:t>In order to use </a:t>
+            </a:r>
+            <a:r>
+              <a:rPr lang="en-US" sz="3340" b="0" i="0" dirty="0" err="1">
                 <a:solidFill>
                   <a:schemeClr val="tx1">
                     <a:lumMod val="75000"/>
@@ -7162,10 +7231,10 @@
                 <a:effectLst/>
                 <a:latin typeface="Montserrat Light" panose="00000400000000000000" pitchFamily="2" charset="0"/>
               </a:rPr>
-              <a:t>, we need to provide a sequence of tokens represented as numbers, after tokenizing our data we’ll replace each token with a number representation, this forms a suitable input for </a:t>
-            </a:r>
-            <a:r>
-              <a:rPr lang="en-US" sz="3200" b="0" i="0" dirty="0" err="1">
+              <a:t>AraBERT</a:t>
+            </a:r>
+            <a:r>
+              <a:rPr lang="en-US" sz="3340" b="0" i="0" dirty="0">
                 <a:solidFill>
                   <a:schemeClr val="tx1">
                     <a:lumMod val="75000"/>
@@ -7175,10 +7244,10 @@
                 <a:effectLst/>
                 <a:latin typeface="Montserrat Light" panose="00000400000000000000" pitchFamily="2" charset="0"/>
               </a:rPr>
-              <a:t>AraBERT</a:t>
-            </a:r>
-            <a:r>
-              <a:rPr lang="en-US" sz="3200" b="0" i="0" dirty="0">
+              <a:t>, we need to provide a sequence of tokens represented as numbers, after tokenizing our data we’ll replace each token with a number representation, this forms a suitable input for </a:t>
+            </a:r>
+            <a:r>
+              <a:rPr lang="en-US" sz="3340" b="0" i="0" dirty="0" err="1">
                 <a:solidFill>
                   <a:schemeClr val="tx1">
                     <a:lumMod val="75000"/>
@@ -7188,12 +7257,25 @@
                 <a:effectLst/>
                 <a:latin typeface="Montserrat Light" panose="00000400000000000000" pitchFamily="2" charset="0"/>
               </a:rPr>
+              <a:t>AraBERT</a:t>
+            </a:r>
+            <a:r>
+              <a:rPr lang="en-US" sz="3340" b="0" i="0" dirty="0">
+                <a:solidFill>
+                  <a:schemeClr val="tx1">
+                    <a:lumMod val="75000"/>
+                    <a:lumOff val="25000"/>
+                  </a:schemeClr>
+                </a:solidFill>
+                <a:effectLst/>
+                <a:latin typeface="Montserrat Light" panose="00000400000000000000" pitchFamily="2" charset="0"/>
+              </a:rPr>
               <a:t>.</a:t>
             </a:r>
           </a:p>
           <a:p>
             <a:pPr algn="just"/>
-            <a:endParaRPr lang="en-US" sz="3500" dirty="0">
+            <a:endParaRPr lang="en-US" sz="3340" dirty="0">
               <a:solidFill>
                 <a:schemeClr val="tx1">
                   <a:lumMod val="75000"/>
@@ -7235,8 +7317,8 @@
         </p:blipFill>
         <p:spPr>
           <a:xfrm>
-            <a:off x="-38100" y="-95980"/>
-            <a:ext cx="8229600" cy="3161538"/>
+            <a:off x="0" y="-102222"/>
+            <a:ext cx="6362700" cy="2444337"/>
           </a:xfrm>
           <a:prstGeom prst="rect">
             <a:avLst/>
@@ -7271,7 +7353,7 @@
         </p:blipFill>
         <p:spPr>
           <a:xfrm>
-            <a:off x="14859000" y="165861"/>
+            <a:off x="15296878" y="129512"/>
             <a:ext cx="2286539" cy="2212603"/>
           </a:xfrm>
           <a:prstGeom prst="rect">
@@ -7293,8 +7375,8 @@
         </p:nvSpPr>
         <p:spPr>
           <a:xfrm>
-            <a:off x="761999" y="26149931"/>
-            <a:ext cx="9961685" cy="6407161"/>
+            <a:off x="761999" y="25957619"/>
+            <a:ext cx="9961685" cy="6599474"/>
           </a:xfrm>
           <a:prstGeom prst="rect">
             <a:avLst/>
@@ -7349,7 +7431,7 @@
         </p:nvSpPr>
         <p:spPr>
           <a:xfrm>
-            <a:off x="865677" y="26230602"/>
+            <a:off x="950304" y="26071542"/>
             <a:ext cx="9508881" cy="923330"/>
           </a:xfrm>
           <a:prstGeom prst="rect">
@@ -7400,8 +7482,8 @@
         </p:nvSpPr>
         <p:spPr>
           <a:xfrm>
-            <a:off x="950305" y="26994872"/>
-            <a:ext cx="9508881" cy="5509200"/>
+            <a:off x="950304" y="26876916"/>
+            <a:ext cx="9508881" cy="5678478"/>
           </a:xfrm>
           <a:prstGeom prst="rect">
             <a:avLst/>
@@ -7420,7 +7502,7 @@
           <a:p>
             <a:pPr algn="just"/>
             <a:r>
-              <a:rPr lang="en-US" sz="3200" b="0" i="0" u="none" strike="noStrike" baseline="0" dirty="0">
+              <a:rPr lang="en-US" sz="3300" b="0" i="0" u="none" strike="noStrike" baseline="0" dirty="0">
                 <a:solidFill>
                   <a:schemeClr val="tx1">
                     <a:lumMod val="75000"/>
@@ -7431,7 +7513,7 @@
               </a:rPr>
               <a:t>Dialects are formed mainly due to regional separation between the Arab world. This separation reduces interaction between different regions, and as a result of that, many Arabic speaking regions have formed dialects exclusive to their own. For example, many countries surrounding the Arabic Gulf have formed a dialect different to countries in the Levantine region. The research’s main problem is how to identify and predict dialect types from text.</a:t>
             </a:r>
-            <a:endParaRPr lang="en-US" sz="3200" dirty="0">
+            <a:endParaRPr lang="en-US" sz="3300" dirty="0">
               <a:solidFill>
                 <a:schemeClr val="tx1">
                   <a:lumMod val="75000"/>
